--- a/答辩.pptx
+++ b/答辩.pptx
@@ -235,7 +235,7 @@
           <a:p>
             <a:fld id="{558B725A-BFDD-44D0-A8D3-61766B07B7F1}" type="datetimeFigureOut">
               <a:rPr lang="zh-CN" altLang="en-US" smtClean="0"/>
-              <a:t>2020/6/9</a:t>
+              <a:t>2020/6/10</a:t>
             </a:fld>
             <a:endParaRPr lang="zh-CN" altLang="en-US"/>
           </a:p>
@@ -2731,7 +2731,7 @@
           <a:p>
             <a:fld id="{8AF6F278-ABF0-48CA-ADF0-1D43CCA8A181}" type="datetimeFigureOut">
               <a:rPr lang="zh-CN" altLang="en-US" smtClean="0"/>
-              <a:t>2020/6/9</a:t>
+              <a:t>2020/6/10</a:t>
             </a:fld>
             <a:endParaRPr lang="zh-CN" altLang="en-US"/>
           </a:p>
@@ -2902,7 +2902,7 @@
           <a:p>
             <a:fld id="{8AF6F278-ABF0-48CA-ADF0-1D43CCA8A181}" type="datetimeFigureOut">
               <a:rPr lang="zh-CN" altLang="en-US" smtClean="0"/>
-              <a:t>2020/6/9</a:t>
+              <a:t>2020/6/10</a:t>
             </a:fld>
             <a:endParaRPr lang="zh-CN" altLang="en-US"/>
           </a:p>
@@ -3083,7 +3083,7 @@
           <a:p>
             <a:fld id="{8AF6F278-ABF0-48CA-ADF0-1D43CCA8A181}" type="datetimeFigureOut">
               <a:rPr lang="zh-CN" altLang="en-US" smtClean="0"/>
-              <a:t>2020/6/9</a:t>
+              <a:t>2020/6/10</a:t>
             </a:fld>
             <a:endParaRPr lang="zh-CN" altLang="en-US"/>
           </a:p>
@@ -3254,7 +3254,7 @@
           <a:p>
             <a:fld id="{8AF6F278-ABF0-48CA-ADF0-1D43CCA8A181}" type="datetimeFigureOut">
               <a:rPr lang="zh-CN" altLang="en-US" smtClean="0"/>
-              <a:t>2020/6/9</a:t>
+              <a:t>2020/6/10</a:t>
             </a:fld>
             <a:endParaRPr lang="zh-CN" altLang="en-US"/>
           </a:p>
@@ -3502,7 +3502,7 @@
           <a:p>
             <a:fld id="{8AF6F278-ABF0-48CA-ADF0-1D43CCA8A181}" type="datetimeFigureOut">
               <a:rPr lang="zh-CN" altLang="en-US" smtClean="0"/>
-              <a:t>2020/6/9</a:t>
+              <a:t>2020/6/10</a:t>
             </a:fld>
             <a:endParaRPr lang="zh-CN" altLang="en-US"/>
           </a:p>
@@ -3734,7 +3734,7 @@
           <a:p>
             <a:fld id="{8AF6F278-ABF0-48CA-ADF0-1D43CCA8A181}" type="datetimeFigureOut">
               <a:rPr lang="zh-CN" altLang="en-US" smtClean="0"/>
-              <a:t>2020/6/9</a:t>
+              <a:t>2020/6/10</a:t>
             </a:fld>
             <a:endParaRPr lang="zh-CN" altLang="en-US"/>
           </a:p>
@@ -4101,7 +4101,7 @@
           <a:p>
             <a:fld id="{8AF6F278-ABF0-48CA-ADF0-1D43CCA8A181}" type="datetimeFigureOut">
               <a:rPr lang="zh-CN" altLang="en-US" smtClean="0"/>
-              <a:t>2020/6/9</a:t>
+              <a:t>2020/6/10</a:t>
             </a:fld>
             <a:endParaRPr lang="zh-CN" altLang="en-US"/>
           </a:p>
@@ -4221,7 +4221,7 @@
           <a:p>
             <a:fld id="{8AF6F278-ABF0-48CA-ADF0-1D43CCA8A181}" type="datetimeFigureOut">
               <a:rPr lang="zh-CN" altLang="en-US" smtClean="0"/>
-              <a:t>2020/6/9</a:t>
+              <a:t>2020/6/10</a:t>
             </a:fld>
             <a:endParaRPr lang="zh-CN" altLang="en-US"/>
           </a:p>
@@ -4319,7 +4319,7 @@
           <a:p>
             <a:fld id="{8AF6F278-ABF0-48CA-ADF0-1D43CCA8A181}" type="datetimeFigureOut">
               <a:rPr lang="zh-CN" altLang="en-US" smtClean="0"/>
-              <a:t>2020/6/9</a:t>
+              <a:t>2020/6/10</a:t>
             </a:fld>
             <a:endParaRPr lang="zh-CN" altLang="en-US"/>
           </a:p>
@@ -4597,7 +4597,7 @@
           <a:p>
             <a:fld id="{8AF6F278-ABF0-48CA-ADF0-1D43CCA8A181}" type="datetimeFigureOut">
               <a:rPr lang="zh-CN" altLang="en-US" smtClean="0"/>
-              <a:t>2020/6/9</a:t>
+              <a:t>2020/6/10</a:t>
             </a:fld>
             <a:endParaRPr lang="zh-CN" altLang="en-US"/>
           </a:p>
@@ -4852,7 +4852,7 @@
           <a:p>
             <a:fld id="{8AF6F278-ABF0-48CA-ADF0-1D43CCA8A181}" type="datetimeFigureOut">
               <a:rPr lang="zh-CN" altLang="en-US" smtClean="0"/>
-              <a:t>2020/6/9</a:t>
+              <a:t>2020/6/10</a:t>
             </a:fld>
             <a:endParaRPr lang="zh-CN" altLang="en-US"/>
           </a:p>
@@ -5066,7 +5066,7 @@
           <a:p>
             <a:fld id="{8AF6F278-ABF0-48CA-ADF0-1D43CCA8A181}" type="datetimeFigureOut">
               <a:rPr lang="zh-CN" altLang="en-US" smtClean="0"/>
-              <a:t>2020/6/9</a:t>
+              <a:t>2020/6/10</a:t>
             </a:fld>
             <a:endParaRPr lang="zh-CN" altLang="en-US"/>
           </a:p>
@@ -9078,21 +9078,30 @@
                             </p:childTnLst>
                           </p:cTn>
                         </p:par>
+                      </p:childTnLst>
+                    </p:cTn>
+                  </p:par>
+                  <p:par>
+                    <p:cTn id="8" fill="hold">
+                      <p:stCondLst>
+                        <p:cond delay="indefinite"/>
+                      </p:stCondLst>
+                      <p:childTnLst>
                         <p:par>
-                          <p:cTn id="8" fill="hold">
+                          <p:cTn id="9" fill="hold">
                             <p:stCondLst>
-                              <p:cond delay="500"/>
+                              <p:cond delay="0"/>
                             </p:stCondLst>
                             <p:childTnLst>
                               <p:par>
-                                <p:cTn id="9" presetID="10" presetClass="entr" presetSubtype="0" fill="hold" nodeType="afterEffect">
+                                <p:cTn id="10" presetID="10" presetClass="entr" presetSubtype="0" fill="hold" nodeType="clickEffect">
                                   <p:stCondLst>
                                     <p:cond delay="0"/>
                                   </p:stCondLst>
                                   <p:childTnLst>
                                     <p:set>
                                       <p:cBhvr>
-                                        <p:cTn id="10" dur="1" fill="hold">
+                                        <p:cTn id="11" dur="1" fill="hold">
                                           <p:stCondLst>
                                             <p:cond delay="0"/>
                                           </p:stCondLst>
@@ -9110,7 +9119,7 @@
                                     </p:set>
                                     <p:animEffect transition="in" filter="fade">
                                       <p:cBhvr>
-                                        <p:cTn id="11" dur="500"/>
+                                        <p:cTn id="12" dur="500"/>
                                         <p:tgtEl>
                                           <p:spTgt spid="7"/>
                                         </p:tgtEl>
